--- a/fig-illustration.pptx
+++ b/fig-illustration.pptx
@@ -3452,8 +3452,8 @@
               <p:nvPr/>
             </p:nvSpPr>
             <p:spPr>
-              <a:xfrm rot="1319395">
-                <a:off x="3613649" y="1127057"/>
+              <a:xfrm rot="1581357">
+                <a:off x="3602226" y="1003604"/>
                 <a:ext cx="1476015" cy="369332"/>
               </a:xfrm>
               <a:prstGeom prst="rect">
@@ -3521,8 +3521,8 @@
               <p:nvPr/>
             </p:nvSpPr>
             <p:spPr>
-              <a:xfrm rot="1319395">
-                <a:off x="3613649" y="1127057"/>
+              <a:xfrm rot="1581357">
+                <a:off x="3602226" y="1003604"/>
                 <a:ext cx="1476015" cy="369332"/>
               </a:xfrm>
               <a:prstGeom prst="rect">
@@ -3531,7 +3531,7 @@
               <a:blipFill>
                 <a:blip r:embed="rId3"/>
                 <a:stretch>
-                  <a:fillRect l="-5833" t="-4167"/>
+                  <a:fillRect l="-5932" t="-5063"/>
                 </a:stretch>
               </a:blipFill>
             </p:spPr>
@@ -3566,7 +3566,7 @@
             </p:nvSpPr>
             <p:spPr>
               <a:xfrm rot="20481149">
-                <a:off x="3597139" y="2133300"/>
+                <a:off x="3696118" y="2191649"/>
                 <a:ext cx="979692" cy="369332"/>
               </a:xfrm>
               <a:prstGeom prst="rect">
@@ -3635,7 +3635,7 @@
             </p:nvSpPr>
             <p:spPr>
               <a:xfrm rot="20481149">
-                <a:off x="3597139" y="2133300"/>
+                <a:off x="3696118" y="2191649"/>
                 <a:ext cx="979692" cy="369332"/>
               </a:xfrm>
               <a:prstGeom prst="rect">
@@ -3644,7 +3644,7 @@
               <a:blipFill>
                 <a:blip r:embed="rId4"/>
                 <a:stretch>
-                  <a:fillRect l="-4762" b="-16981"/>
+                  <a:fillRect l="-4762" b="-14815"/>
                 </a:stretch>
               </a:blipFill>
             </p:spPr>
